--- a/assets/ppt/semantics/types.pptx
+++ b/assets/ppt/semantics/types.pptx
@@ -37594,22 +37594,30 @@
               </a:lnSpc>
             </a:pPr>
             <a:r>
-              <a:rPr lang="en-US"/>
-              <a:t>Check equivalence of type exprs: </a:t>
-            </a:r>
-            <a:r>
-              <a:rPr lang="en-US" i="1"/>
+              <a:rPr lang="en-US" dirty="0"/>
+              <a:t>Check equivalence of type </a:t>
+            </a:r>
+            <a:r>
+              <a:rPr lang="en-US" dirty="0" err="1"/>
+              <a:t>exprs</a:t>
+            </a:r>
+            <a:r>
+              <a:rPr lang="en-US" dirty="0"/>
+              <a:t>: </a:t>
+            </a:r>
+            <a:r>
+              <a:rPr lang="en-US" i="1" dirty="0"/>
               <a:t>s</a:t>
             </a:r>
             <a:r>
-              <a:rPr lang="en-US"/>
+              <a:rPr lang="en-US" dirty="0"/>
               <a:t> and </a:t>
             </a:r>
             <a:r>
-              <a:rPr lang="en-US" i="1"/>
+              <a:rPr lang="en-US" i="1" dirty="0"/>
               <a:t>t</a:t>
             </a:r>
-            <a:endParaRPr lang="en-US"/>
+            <a:endParaRPr lang="en-US" dirty="0"/>
           </a:p>
           <a:p>
             <a:pPr>
@@ -37618,23 +37626,23 @@
               </a:lnSpc>
             </a:pPr>
             <a:r>
-              <a:rPr lang="en-US"/>
+              <a:rPr lang="en-US" dirty="0"/>
               <a:t>If </a:t>
             </a:r>
             <a:r>
-              <a:rPr lang="en-US" i="1"/>
+              <a:rPr lang="en-US" i="1" dirty="0"/>
               <a:t>s</a:t>
             </a:r>
             <a:r>
-              <a:rPr lang="en-US"/>
+              <a:rPr lang="en-US" dirty="0"/>
               <a:t> and </a:t>
             </a:r>
             <a:r>
-              <a:rPr lang="en-US" i="1"/>
+              <a:rPr lang="en-US" i="1" dirty="0"/>
               <a:t>t</a:t>
             </a:r>
             <a:r>
-              <a:rPr lang="en-US"/>
+              <a:rPr lang="en-US" dirty="0"/>
               <a:t> are basic types, then return true</a:t>
             </a:r>
           </a:p>
@@ -37645,95 +37653,111 @@
               </a:lnSpc>
             </a:pPr>
             <a:r>
-              <a:rPr lang="en-US"/>
+              <a:rPr lang="en-US" dirty="0"/>
               <a:t>If </a:t>
             </a:r>
             <a:r>
-              <a:rPr lang="en-US" i="1"/>
+              <a:rPr lang="en-US" i="1" dirty="0"/>
               <a:t>s = array(s</a:t>
             </a:r>
             <a:r>
-              <a:rPr lang="en-US" i="1" baseline="-25000"/>
+              <a:rPr lang="en-US" i="1" baseline="-25000" dirty="0"/>
               <a:t>1</a:t>
             </a:r>
             <a:r>
-              <a:rPr lang="en-US" i="1"/>
+              <a:rPr lang="en-US" i="1" dirty="0"/>
               <a:t>, s</a:t>
             </a:r>
             <a:r>
-              <a:rPr lang="en-US" i="1" baseline="-25000"/>
+              <a:rPr lang="en-US" i="1" baseline="-25000" dirty="0"/>
               <a:t>2</a:t>
             </a:r>
             <a:r>
-              <a:rPr lang="en-US" i="1"/>
+              <a:rPr lang="en-US" i="1" dirty="0"/>
               <a:t>)</a:t>
             </a:r>
             <a:r>
-              <a:rPr lang="en-US"/>
+              <a:rPr lang="en-US" dirty="0"/>
               <a:t> and </a:t>
             </a:r>
             <a:r>
-              <a:rPr lang="en-US" i="1"/>
+              <a:rPr lang="en-US" i="1" dirty="0"/>
               <a:t>t = array(t</a:t>
             </a:r>
             <a:r>
-              <a:rPr lang="en-US" i="1" baseline="-25000"/>
+              <a:rPr lang="en-US" i="1" baseline="-25000" dirty="0"/>
               <a:t>1</a:t>
             </a:r>
             <a:r>
-              <a:rPr lang="en-US" i="1"/>
+              <a:rPr lang="en-US" i="1" dirty="0"/>
               <a:t>, t</a:t>
             </a:r>
             <a:r>
-              <a:rPr lang="en-US" i="1" baseline="-25000"/>
+              <a:rPr lang="en-US" i="1" baseline="-25000" dirty="0"/>
               <a:t>2</a:t>
             </a:r>
             <a:r>
-              <a:rPr lang="en-US" i="1"/>
+              <a:rPr lang="en-US" i="1" dirty="0"/>
               <a:t>)</a:t>
             </a:r>
             <a:r>
-              <a:rPr lang="en-US"/>
+              <a:rPr lang="en-US" dirty="0"/>
               <a:t> then return true if equal(</a:t>
             </a:r>
             <a:r>
-              <a:rPr lang="en-US" i="1"/>
+              <a:rPr lang="en-US" i="1" dirty="0"/>
               <a:t>s</a:t>
             </a:r>
             <a:r>
-              <a:rPr lang="en-US" i="1" baseline="-25000"/>
+              <a:rPr lang="en-US" i="1" baseline="-25000" dirty="0"/>
               <a:t>1</a:t>
             </a:r>
             <a:r>
-              <a:rPr lang="en-US" i="1"/>
-              <a:t>, t</a:t>
-            </a:r>
-            <a:r>
-              <a:rPr lang="en-US" i="1" baseline="-25000"/>
+              <a:rPr lang="en-US" i="1" dirty="0"/>
+              <a:t>, </a:t>
+            </a:r>
+            <a:r>
+              <a:rPr lang="en-US" i="1" dirty="0" smtClean="0"/>
+              <a:t>s</a:t>
+            </a:r>
+            <a:r>
+              <a:rPr lang="en-US" i="1" baseline="-25000" dirty="0"/>
+              <a:t>2</a:t>
+            </a:r>
+            <a:r>
+              <a:rPr lang="en-US" dirty="0" smtClean="0"/>
+              <a:t>) </a:t>
+            </a:r>
+            <a:r>
+              <a:rPr lang="en-US" dirty="0"/>
+              <a:t>and equal</a:t>
+            </a:r>
+            <a:r>
+              <a:rPr lang="en-US" dirty="0" smtClean="0"/>
+              <a:t>(</a:t>
+            </a:r>
+            <a:r>
+              <a:rPr lang="en-US" i="1" dirty="0" smtClean="0"/>
+              <a:t>t</a:t>
+            </a:r>
+            <a:r>
+              <a:rPr lang="en-US" i="1" baseline="-25000" dirty="0" smtClean="0"/>
               <a:t>1</a:t>
             </a:r>
             <a:r>
-              <a:rPr lang="en-US"/>
-              <a:t>) and equal(</a:t>
-            </a:r>
-            <a:r>
-              <a:rPr lang="en-US" i="1"/>
-              <a:t>s</a:t>
-            </a:r>
-            <a:r>
-              <a:rPr lang="en-US" i="1" baseline="-25000"/>
+              <a:rPr lang="en-US" i="1" dirty="0" smtClean="0"/>
+              <a:t>, </a:t>
+            </a:r>
+            <a:r>
+              <a:rPr lang="en-US" i="1" dirty="0"/>
+              <a:t>t</a:t>
+            </a:r>
+            <a:r>
+              <a:rPr lang="en-US" i="1" baseline="-25000" dirty="0"/>
               <a:t>2</a:t>
             </a:r>
             <a:r>
-              <a:rPr lang="en-US" i="1"/>
-              <a:t>, t</a:t>
-            </a:r>
-            <a:r>
-              <a:rPr lang="en-US" i="1" baseline="-25000"/>
-              <a:t>2</a:t>
-            </a:r>
-            <a:r>
-              <a:rPr lang="en-US"/>
+              <a:rPr lang="en-US" dirty="0"/>
               <a:t>)</a:t>
             </a:r>
           </a:p>
@@ -37744,111 +37768,127 @@
               </a:lnSpc>
             </a:pPr>
             <a:r>
-              <a:rPr lang="en-US"/>
+              <a:rPr lang="en-US" dirty="0"/>
               <a:t>If s = </a:t>
             </a:r>
             <a:r>
-              <a:rPr lang="en-US" i="1"/>
+              <a:rPr lang="en-US" i="1" dirty="0"/>
               <a:t>s</a:t>
             </a:r>
             <a:r>
-              <a:rPr lang="en-US" i="1" baseline="-25000"/>
+              <a:rPr lang="en-US" i="1" baseline="-25000" dirty="0"/>
               <a:t>1</a:t>
             </a:r>
             <a:r>
-              <a:rPr lang="en-US" i="1"/>
+              <a:rPr lang="en-US" i="1" dirty="0"/>
               <a:t> </a:t>
             </a:r>
             <a:r>
-              <a:rPr lang="en-US" i="1">
+              <a:rPr lang="en-US" i="1" dirty="0">
                 <a:sym typeface="Symbol" charset="2"/>
               </a:rPr>
               <a:t> s</a:t>
             </a:r>
             <a:r>
-              <a:rPr lang="en-US" i="1" baseline="-25000">
+              <a:rPr lang="en-US" i="1" baseline="-25000" dirty="0">
                 <a:sym typeface="Symbol" charset="2"/>
               </a:rPr>
               <a:t>2</a:t>
             </a:r>
             <a:r>
-              <a:rPr lang="en-US">
+              <a:rPr lang="en-US" dirty="0">
                 <a:sym typeface="Symbol" charset="2"/>
               </a:rPr>
               <a:t> and </a:t>
             </a:r>
             <a:r>
-              <a:rPr lang="en-US" i="1">
+              <a:rPr lang="en-US" i="1" dirty="0">
                 <a:sym typeface="Symbol" charset="2"/>
               </a:rPr>
               <a:t>t = t</a:t>
             </a:r>
             <a:r>
-              <a:rPr lang="en-US" i="1" baseline="-25000">
+              <a:rPr lang="en-US" i="1" baseline="-25000" dirty="0">
                 <a:sym typeface="Symbol" charset="2"/>
               </a:rPr>
               <a:t>1 </a:t>
             </a:r>
             <a:r>
-              <a:rPr lang="en-US" i="1">
+              <a:rPr lang="en-US" i="1" dirty="0">
                 <a:sym typeface="Symbol" charset="2"/>
               </a:rPr>
               <a:t> t</a:t>
             </a:r>
             <a:r>
-              <a:rPr lang="en-US" i="1" baseline="-25000">
+              <a:rPr lang="en-US" i="1" baseline="-25000" dirty="0">
                 <a:sym typeface="Symbol" charset="2"/>
               </a:rPr>
               <a:t>2</a:t>
             </a:r>
             <a:r>
-              <a:rPr lang="en-US">
+              <a:rPr lang="en-US" dirty="0">
                 <a:sym typeface="Symbol" charset="2"/>
               </a:rPr>
               <a:t> then return true </a:t>
             </a:r>
             <a:r>
-              <a:rPr lang="en-US"/>
+              <a:rPr lang="en-US" dirty="0"/>
               <a:t>if equal(</a:t>
             </a:r>
             <a:r>
-              <a:rPr lang="en-US" i="1"/>
+              <a:rPr lang="en-US" i="1" dirty="0"/>
               <a:t>s</a:t>
             </a:r>
             <a:r>
-              <a:rPr lang="en-US" i="1" baseline="-25000"/>
+              <a:rPr lang="en-US" i="1" baseline="-25000" dirty="0"/>
               <a:t>1</a:t>
             </a:r>
             <a:r>
-              <a:rPr lang="en-US" i="1"/>
-              <a:t>, t</a:t>
-            </a:r>
-            <a:r>
-              <a:rPr lang="en-US" i="1" baseline="-25000"/>
+              <a:rPr lang="en-US" i="1" dirty="0"/>
+              <a:t>, </a:t>
+            </a:r>
+            <a:r>
+              <a:rPr lang="en-US" i="1" dirty="0" smtClean="0"/>
+              <a:t>s</a:t>
+            </a:r>
+            <a:r>
+              <a:rPr lang="en-US" i="1" baseline="-25000" dirty="0" smtClean="0"/>
+              <a:t>2</a:t>
+            </a:r>
+            <a:r>
+              <a:rPr lang="en-US" dirty="0" smtClean="0"/>
+              <a:t>) </a:t>
+            </a:r>
+            <a:r>
+              <a:rPr lang="en-US" dirty="0"/>
+              <a:t>and equal</a:t>
+            </a:r>
+            <a:r>
+              <a:rPr lang="en-US" smtClean="0"/>
+              <a:t>(</a:t>
+            </a:r>
+            <a:r>
+              <a:rPr lang="en-US" i="1" smtClean="0"/>
+              <a:t>t</a:t>
+            </a:r>
+            <a:r>
+              <a:rPr lang="en-US" i="1" baseline="-25000" smtClean="0"/>
               <a:t>1</a:t>
             </a:r>
             <a:r>
-              <a:rPr lang="en-US"/>
-              <a:t>) and equal(</a:t>
-            </a:r>
-            <a:r>
-              <a:rPr lang="en-US" i="1"/>
-              <a:t>s</a:t>
-            </a:r>
-            <a:r>
-              <a:rPr lang="en-US" i="1" baseline="-25000"/>
+              <a:rPr lang="en-US" i="1" smtClean="0"/>
+              <a:t>, </a:t>
+            </a:r>
+            <a:r>
+              <a:rPr lang="en-US" i="1" dirty="0"/>
+              <a:t>t</a:t>
+            </a:r>
+            <a:r>
+              <a:rPr lang="en-US" i="1" baseline="-25000" dirty="0"/>
               <a:t>2</a:t>
             </a:r>
             <a:r>
-              <a:rPr lang="en-US" i="1"/>
-              <a:t>, t</a:t>
-            </a:r>
-            <a:r>
-              <a:rPr lang="en-US" i="1" baseline="-25000"/>
-              <a:t>2</a:t>
-            </a:r>
-            <a:r>
-              <a:rPr lang="en-US"/>
+              <a:rPr lang="en-US" dirty="0"/>
               <a:t>)</a:t>
             </a:r>
           </a:p>
@@ -37859,62 +37899,62 @@
               </a:lnSpc>
             </a:pPr>
             <a:r>
-              <a:rPr lang="en-US"/>
+              <a:rPr lang="en-US" dirty="0"/>
               <a:t>If </a:t>
             </a:r>
             <a:r>
-              <a:rPr lang="en-US" i="1"/>
+              <a:rPr lang="en-US" i="1" dirty="0"/>
               <a:t>s = pointer(s</a:t>
             </a:r>
             <a:r>
-              <a:rPr lang="en-US" i="1" baseline="-25000"/>
+              <a:rPr lang="en-US" i="1" baseline="-25000" dirty="0"/>
               <a:t>1</a:t>
             </a:r>
             <a:r>
-              <a:rPr lang="en-US" i="1"/>
+              <a:rPr lang="en-US" i="1" dirty="0"/>
               <a:t>)</a:t>
             </a:r>
             <a:r>
-              <a:rPr lang="en-US"/>
+              <a:rPr lang="en-US" dirty="0"/>
               <a:t> and </a:t>
             </a:r>
             <a:r>
-              <a:rPr lang="en-US" i="1"/>
+              <a:rPr lang="en-US" i="1" dirty="0"/>
               <a:t>t = pointer(t</a:t>
             </a:r>
             <a:r>
-              <a:rPr lang="en-US" i="1" baseline="-25000"/>
+              <a:rPr lang="en-US" i="1" baseline="-25000" dirty="0"/>
               <a:t>1</a:t>
             </a:r>
             <a:r>
-              <a:rPr lang="en-US" i="1"/>
+              <a:rPr lang="en-US" i="1" dirty="0"/>
               <a:t>)</a:t>
             </a:r>
             <a:r>
-              <a:rPr lang="en-US"/>
+              <a:rPr lang="en-US" dirty="0"/>
               <a:t> then return true if equal(</a:t>
             </a:r>
             <a:r>
-              <a:rPr lang="en-US" i="1"/>
+              <a:rPr lang="en-US" i="1" dirty="0"/>
               <a:t>s</a:t>
             </a:r>
             <a:r>
-              <a:rPr lang="en-US" i="1" baseline="-25000"/>
+              <a:rPr lang="en-US" i="1" baseline="-25000" dirty="0"/>
               <a:t>1</a:t>
             </a:r>
             <a:r>
-              <a:rPr lang="en-US" i="1"/>
+              <a:rPr lang="en-US" i="1" dirty="0"/>
               <a:t>, t</a:t>
             </a:r>
             <a:r>
-              <a:rPr lang="en-US" i="1" baseline="-25000"/>
+              <a:rPr lang="en-US" i="1" baseline="-25000" dirty="0"/>
               <a:t>1</a:t>
             </a:r>
             <a:r>
-              <a:rPr lang="en-US"/>
+              <a:rPr lang="en-US" dirty="0"/>
               <a:t>)</a:t>
             </a:r>
-            <a:endParaRPr lang="en-US" sz="3600" i="1">
+            <a:endParaRPr lang="en-US" sz="3600" i="1" dirty="0">
               <a:sym typeface="Symbol" charset="2"/>
             </a:endParaRPr>
           </a:p>

--- a/assets/ppt/semantics/types.pptx
+++ b/assets/ppt/semantics/types.pptx
@@ -4689,7 +4689,7 @@
           <a:p>
             <a:fld id="{EE5924FE-D8A6-9845-87E1-6DB883687110}" type="datetime1">
               <a:rPr lang="en-CA" smtClean="0"/>
-              <a:t>16-07-26</a:t>
+              <a:t>16-07-28</a:t>
             </a:fld>
             <a:endParaRPr lang="en-US"/>
           </a:p>
@@ -4867,7 +4867,7 @@
           <a:p>
             <a:fld id="{4A498522-5486-1F42-9D73-C2EB192E1947}" type="datetime1">
               <a:rPr lang="en-CA" smtClean="0"/>
-              <a:t>16-07-26</a:t>
+              <a:t>16-07-28</a:t>
             </a:fld>
             <a:endParaRPr lang="en-US"/>
           </a:p>
@@ -5055,7 +5055,7 @@
           <a:p>
             <a:fld id="{815704ED-E8EA-5F4E-9F6A-46E1BD0F05B1}" type="datetime1">
               <a:rPr lang="en-CA" smtClean="0"/>
-              <a:t>16-07-26</a:t>
+              <a:t>16-07-28</a:t>
             </a:fld>
             <a:endParaRPr lang="en-US"/>
           </a:p>
@@ -5233,7 +5233,7 @@
           <a:p>
             <a:fld id="{C5D441C0-7280-6F43-AF9B-0D12CB64A03B}" type="datetime1">
               <a:rPr lang="en-CA" smtClean="0"/>
-              <a:t>16-07-26</a:t>
+              <a:t>16-07-28</a:t>
             </a:fld>
             <a:endParaRPr lang="en-US"/>
           </a:p>
@@ -5433,7 +5433,7 @@
           <a:p>
             <a:fld id="{6F7F7960-71E9-2B46-835D-E979BE78CB90}" type="datetime1">
               <a:rPr lang="en-CA" smtClean="0"/>
-              <a:t>16-07-26</a:t>
+              <a:t>16-07-28</a:t>
             </a:fld>
             <a:endParaRPr lang="en-US"/>
           </a:p>
@@ -5729,7 +5729,7 @@
           <a:p>
             <a:fld id="{77457114-9995-EF45-BBC9-1ED57124BA75}" type="datetime1">
               <a:rPr lang="en-CA" smtClean="0"/>
-              <a:t>16-07-26</a:t>
+              <a:t>16-07-28</a:t>
             </a:fld>
             <a:endParaRPr lang="en-US"/>
           </a:p>
@@ -6164,7 +6164,7 @@
           <a:p>
             <a:fld id="{ACCF4600-DBCE-DB43-B695-4DE20619E60B}" type="datetime1">
               <a:rPr lang="en-CA" smtClean="0"/>
-              <a:t>16-07-26</a:t>
+              <a:t>16-07-28</a:t>
             </a:fld>
             <a:endParaRPr lang="en-US"/>
           </a:p>
@@ -6290,7 +6290,7 @@
           <a:p>
             <a:fld id="{AE63DC86-9A7B-0A45-8913-ECEFFC27FF74}" type="datetime1">
               <a:rPr lang="en-CA" smtClean="0"/>
-              <a:t>16-07-26</a:t>
+              <a:t>16-07-28</a:t>
             </a:fld>
             <a:endParaRPr lang="en-US"/>
           </a:p>
@@ -6393,7 +6393,7 @@
           <a:p>
             <a:fld id="{7690BE5F-6EA0-A245-B18B-496ABD08460A}" type="datetime1">
               <a:rPr lang="en-CA" smtClean="0"/>
-              <a:t>16-07-26</a:t>
+              <a:t>16-07-28</a:t>
             </a:fld>
             <a:endParaRPr lang="en-US"/>
           </a:p>
@@ -6678,7 +6678,7 @@
           <a:p>
             <a:fld id="{5568336F-EC94-564A-B771-06E3D9057595}" type="datetime1">
               <a:rPr lang="en-CA" smtClean="0"/>
-              <a:t>16-07-26</a:t>
+              <a:t>16-07-28</a:t>
             </a:fld>
             <a:endParaRPr lang="en-US"/>
           </a:p>
@@ -6939,7 +6939,7 @@
           <a:p>
             <a:fld id="{EA9E9AE7-9068-D545-83AB-D6E255B73B23}" type="datetime1">
               <a:rPr lang="en-CA" smtClean="0"/>
-              <a:t>16-07-26</a:t>
+              <a:t>16-07-28</a:t>
             </a:fld>
             <a:endParaRPr lang="en-US"/>
           </a:p>
@@ -7188,7 +7188,7 @@
             <a:fld id="{0B89D16C-7718-704E-B921-C55F75DBDF88}" type="datetime1">
               <a:rPr lang="en-CA" smtClean="0"/>
               <a:pPr/>
-              <a:t>16-07-26</a:t>
+              <a:t>16-07-28</a:t>
             </a:fld>
             <a:endParaRPr lang="en-US" dirty="0"/>
           </a:p>
@@ -8990,31 +8990,31 @@
           <a:lstStyle/>
           <a:p>
             <a:r>
-              <a:rPr lang="en-US" sz="2800" i="1">
+              <a:rPr lang="en-US" sz="2800" i="1" dirty="0">
                 <a:sym typeface="Symbol" charset="2"/>
               </a:rPr>
               <a:t>s &lt; t</a:t>
             </a:r>
             <a:r>
-              <a:rPr lang="en-US" sz="2800">
+              <a:rPr lang="en-US" sz="2800" dirty="0">
                 <a:sym typeface="Symbol" charset="2"/>
               </a:rPr>
               <a:t> means </a:t>
             </a:r>
             <a:r>
-              <a:rPr lang="en-US" sz="2800" i="1">
+              <a:rPr lang="en-US" sz="2800" i="1" dirty="0">
                 <a:sym typeface="Symbol" charset="2"/>
               </a:rPr>
               <a:t>s</a:t>
             </a:r>
             <a:r>
-              <a:rPr lang="en-US" sz="2800">
+              <a:rPr lang="en-US" sz="2800" dirty="0">
                 <a:sym typeface="Symbol" charset="2"/>
               </a:rPr>
               <a:t> is an instance of </a:t>
             </a:r>
             <a:r>
-              <a:rPr lang="en-US" sz="2800" i="1">
+              <a:rPr lang="en-US" sz="2800" i="1" dirty="0">
                 <a:sym typeface="Symbol" charset="2"/>
               </a:rPr>
               <a:t>t </a:t>
@@ -9022,54 +9022,54 @@
           </a:p>
           <a:p>
             <a:r>
-              <a:rPr lang="en-US" sz="2800">
+              <a:rPr lang="en-US" sz="2800" dirty="0">
                 <a:sym typeface="Symbol" charset="2"/>
               </a:rPr>
               <a:t>Or </a:t>
             </a:r>
             <a:r>
-              <a:rPr lang="en-US" sz="2800" i="1">
+              <a:rPr lang="en-US" sz="2800" i="1" dirty="0">
                 <a:sym typeface="Symbol" charset="2"/>
               </a:rPr>
               <a:t>s</a:t>
             </a:r>
             <a:r>
-              <a:rPr lang="en-US" sz="2800">
+              <a:rPr lang="en-US" sz="2800" dirty="0">
                 <a:sym typeface="Symbol" charset="2"/>
               </a:rPr>
               <a:t> is more specific than </a:t>
             </a:r>
             <a:r>
-              <a:rPr lang="en-US" sz="2800" i="1">
+              <a:rPr lang="en-US" sz="2800" i="1" dirty="0">
                 <a:sym typeface="Symbol" charset="2"/>
               </a:rPr>
               <a:t>t</a:t>
             </a:r>
-            <a:endParaRPr lang="en-US" sz="2800">
+            <a:endParaRPr lang="en-US" sz="2800" dirty="0">
               <a:sym typeface="Symbol" charset="2"/>
             </a:endParaRPr>
           </a:p>
           <a:p>
             <a:r>
-              <a:rPr lang="en-US" sz="2800">
+              <a:rPr lang="en-US" sz="2800" dirty="0">
                 <a:sym typeface="Symbol" charset="2"/>
               </a:rPr>
               <a:t>Or </a:t>
             </a:r>
             <a:r>
-              <a:rPr lang="en-US" sz="2800" i="1">
+              <a:rPr lang="en-US" sz="2800" i="1" dirty="0">
                 <a:sym typeface="Symbol" charset="2"/>
               </a:rPr>
               <a:t>t</a:t>
             </a:r>
             <a:r>
-              <a:rPr lang="en-US" sz="2800">
+              <a:rPr lang="en-US" sz="2800" dirty="0">
                 <a:sym typeface="Symbol" charset="2"/>
               </a:rPr>
               <a:t> is more general than </a:t>
             </a:r>
             <a:r>
-              <a:rPr lang="en-US" sz="2800" i="1">
+              <a:rPr lang="en-US" sz="2800" i="1" dirty="0">
                 <a:sym typeface="Symbol" charset="2"/>
               </a:rPr>
               <a:t>s</a:t>
@@ -9077,34 +9077,34 @@
           </a:p>
           <a:p>
             <a:r>
-              <a:rPr lang="en-US" sz="2800"/>
+              <a:rPr lang="en-US" sz="2800" dirty="0"/>
               <a:t>Some more examples:</a:t>
             </a:r>
           </a:p>
           <a:p>
             <a:pPr lvl="1"/>
             <a:r>
-              <a:rPr lang="en-US" sz="2400" i="1">
+              <a:rPr lang="en-US" sz="2400" i="1" dirty="0">
                 <a:sym typeface="Symbol" charset="2"/>
               </a:rPr>
               <a:t>integer  integer &lt; </a:t>
             </a:r>
             <a:r>
-              <a:rPr lang="en-US" sz="2400" i="1"/>
+              <a:rPr lang="en-US" sz="2400" i="1" dirty="0"/>
               <a:t> </a:t>
             </a:r>
             <a:r>
-              <a:rPr lang="en-US" sz="2400" i="1">
+              <a:rPr lang="en-US" sz="2400" i="1" dirty="0">
                 <a:sym typeface="Symbol" charset="2"/>
               </a:rPr>
               <a:t></a:t>
             </a:r>
             <a:r>
-              <a:rPr lang="en-US" sz="2400" i="1"/>
+              <a:rPr lang="en-US" sz="2400" i="1" dirty="0"/>
               <a:t> </a:t>
             </a:r>
             <a:r>
-              <a:rPr lang="en-US" sz="2400" i="1">
+              <a:rPr lang="en-US" sz="2400" i="1" dirty="0">
                 <a:sym typeface="Symbol" charset="2"/>
               </a:rPr>
               <a:t></a:t>
@@ -9113,27 +9113,27 @@
           <a:p>
             <a:pPr lvl="1"/>
             <a:r>
-              <a:rPr lang="en-US" sz="2400" i="1">
+              <a:rPr lang="en-US" sz="2400" i="1" dirty="0">
                 <a:sym typeface="Symbol" charset="2"/>
               </a:rPr>
               <a:t>(integer  integer)  (integer  integer) &lt; </a:t>
             </a:r>
             <a:r>
-              <a:rPr lang="en-US" sz="2400" i="1"/>
+              <a:rPr lang="en-US" sz="2400" i="1" dirty="0"/>
               <a:t> </a:t>
             </a:r>
             <a:r>
-              <a:rPr lang="en-US" sz="2400" i="1">
+              <a:rPr lang="en-US" sz="2400" i="1" dirty="0">
                 <a:sym typeface="Symbol" charset="2"/>
               </a:rPr>
               <a:t></a:t>
             </a:r>
             <a:r>
-              <a:rPr lang="en-US" sz="2400" i="1"/>
+              <a:rPr lang="en-US" sz="2400" i="1" dirty="0"/>
               <a:t> </a:t>
             </a:r>
             <a:r>
-              <a:rPr lang="en-US" sz="2400" i="1">
+              <a:rPr lang="en-US" sz="2400" i="1" dirty="0">
                 <a:sym typeface="Symbol" charset="2"/>
               </a:rPr>
               <a:t></a:t>
@@ -9142,7 +9142,7 @@
           <a:p>
             <a:pPr lvl="1"/>
             <a:r>
-              <a:rPr lang="en-US" sz="2400" i="1">
+              <a:rPr lang="en-US" sz="2400" i="1" dirty="0">
                 <a:sym typeface="Symbol" charset="2"/>
               </a:rPr>
               <a:t>list() &lt; </a:t>
@@ -9151,11 +9151,41 @@
           <a:p>
             <a:pPr lvl="1"/>
             <a:r>
-              <a:rPr lang="en-US" sz="2400" i="1">
-                <a:sym typeface="Symbol" charset="2"/>
-              </a:rPr>
-              <a:t> &lt; </a:t>
-            </a:r>
+              <a:rPr lang="en-US" sz="2400" i="1" dirty="0">
+                <a:sym typeface="Symbol" charset="2"/>
+              </a:rPr>
+              <a:t> &lt; </a:t>
+            </a:r>
+            <a:r>
+              <a:rPr lang="en-US" sz="2400" i="1" dirty="0" smtClean="0">
+                <a:sym typeface="Symbol" charset="2"/>
+              </a:rPr>
+              <a:t> </a:t>
+            </a:r>
+            <a:r>
+              <a:rPr lang="en-US" sz="2400" dirty="0" smtClean="0">
+                <a:sym typeface="Symbol" charset="2"/>
+              </a:rPr>
+              <a:t>and </a:t>
+            </a:r>
+            <a:r>
+              <a:rPr lang="en-US" sz="2400" i="1" dirty="0" smtClean="0">
+                <a:sym typeface="Symbol" charset="2"/>
+              </a:rPr>
+              <a:t> </a:t>
+            </a:r>
+            <a:r>
+              <a:rPr lang="en-US" sz="2400" i="1" dirty="0">
+                <a:sym typeface="Symbol" charset="2"/>
+              </a:rPr>
+              <a:t>&lt; </a:t>
+            </a:r>
+          </a:p>
+          <a:p>
+            <a:pPr lvl="1"/>
+            <a:endParaRPr lang="en-US" sz="2400" i="1" dirty="0">
+              <a:sym typeface="Symbol" charset="2"/>
+            </a:endParaRPr>
           </a:p>
         </p:txBody>
       </p:sp>
@@ -9676,7 +9706,7 @@
               </a:lnSpc>
             </a:pPr>
             <a:r>
-              <a:rPr lang="en-US" sz="2800"/>
+              <a:rPr lang="en-US" sz="2800" dirty="0"/>
               <a:t>Incorrect type variable substitutions:</a:t>
             </a:r>
           </a:p>
@@ -9687,12 +9717,54 @@
               </a:lnSpc>
             </a:pPr>
             <a:r>
-              <a:rPr lang="en-US" sz="2400" i="1">
-                <a:sym typeface="Symbol" charset="2"/>
-              </a:rPr>
-              <a:t>integer &lt; boolean</a:t>
-            </a:r>
-            <a:endParaRPr lang="en-US" sz="2400">
+              <a:rPr lang="en-US" sz="2400" i="1" dirty="0">
+                <a:sym typeface="Symbol" charset="2"/>
+              </a:rPr>
+              <a:t>integer &lt; </a:t>
+            </a:r>
+            <a:r>
+              <a:rPr lang="en-US" sz="2400" i="1" dirty="0" err="1" smtClean="0">
+                <a:sym typeface="Symbol" charset="2"/>
+              </a:rPr>
+              <a:t>boolean</a:t>
+            </a:r>
+            <a:r>
+              <a:rPr lang="en-US" sz="2400" i="1" dirty="0" smtClean="0">
+                <a:sym typeface="Symbol" charset="2"/>
+              </a:rPr>
+              <a:t> </a:t>
+            </a:r>
+            <a:r>
+              <a:rPr lang="en-US" sz="1800" dirty="0" smtClean="0">
+                <a:sym typeface="Symbol" charset="2"/>
+              </a:rPr>
+              <a:t>(in some languages </a:t>
+            </a:r>
+            <a:r>
+              <a:rPr lang="en-US" sz="1800" i="1" dirty="0" err="1" smtClean="0">
+                <a:sym typeface="Symbol" charset="2"/>
+              </a:rPr>
+              <a:t>boolean</a:t>
+            </a:r>
+            <a:r>
+              <a:rPr lang="en-US" sz="1800" dirty="0" smtClean="0">
+                <a:sym typeface="Symbol" charset="2"/>
+              </a:rPr>
+              <a:t> &lt; </a:t>
+            </a:r>
+            <a:r>
+              <a:rPr lang="en-US" sz="1800" i="1" dirty="0" smtClean="0">
+                <a:sym typeface="Symbol" charset="2"/>
+              </a:rPr>
+              <a:t>integer</a:t>
+            </a:r>
+            <a:r>
+              <a:rPr lang="en-US" sz="1800" dirty="0" smtClean="0">
+                <a:sym typeface="Symbol" charset="2"/>
+              </a:rPr>
+              <a:t> is true)</a:t>
+            </a:r>
+            <a:endParaRPr lang="en-US" sz="1800" dirty="0">
               <a:sym typeface="Symbol" charset="2"/>
             </a:endParaRPr>
           </a:p>
@@ -9703,45 +9775,45 @@
               </a:lnSpc>
             </a:pPr>
             <a:r>
-              <a:rPr lang="en-US" sz="2400" i="1">
+              <a:rPr lang="en-US" sz="2400" i="1" dirty="0">
                 <a:sym typeface="Symbol" charset="2"/>
               </a:rPr>
               <a:t>integer</a:t>
             </a:r>
             <a:r>
-              <a:rPr lang="en-US" sz="2400">
+              <a:rPr lang="en-US" sz="2400" dirty="0">
                 <a:sym typeface="Symbol" charset="2"/>
               </a:rPr>
               <a:t>  </a:t>
             </a:r>
             <a:r>
-              <a:rPr lang="en-US" sz="2400" i="1">
+              <a:rPr lang="en-US" sz="2400" i="1" dirty="0" err="1">
                 <a:sym typeface="Symbol" charset="2"/>
               </a:rPr>
               <a:t>boolean</a:t>
             </a:r>
             <a:r>
-              <a:rPr lang="en-US" sz="2400">
+              <a:rPr lang="en-US" sz="2400" dirty="0">
                 <a:sym typeface="Symbol" charset="2"/>
               </a:rPr>
               <a:t> &lt; </a:t>
             </a:r>
             <a:r>
-              <a:rPr lang="en-US" sz="2400"/>
+              <a:rPr lang="en-US" sz="2400" dirty="0"/>
               <a:t> </a:t>
             </a:r>
             <a:r>
-              <a:rPr lang="en-US" sz="2400">
+              <a:rPr lang="en-US" sz="2400" dirty="0">
                 <a:sym typeface="Symbol" charset="2"/>
               </a:rPr>
               <a:t></a:t>
             </a:r>
             <a:r>
-              <a:rPr lang="en-US" sz="2400"/>
+              <a:rPr lang="en-US" sz="2400" dirty="0"/>
               <a:t> </a:t>
             </a:r>
             <a:r>
-              <a:rPr lang="en-US" sz="2400">
+              <a:rPr lang="en-US" sz="2400" dirty="0">
                 <a:sym typeface="Symbol" charset="2"/>
               </a:rPr>
               <a:t></a:t>
@@ -9754,33 +9826,33 @@
               </a:lnSpc>
             </a:pPr>
             <a:r>
-              <a:rPr lang="en-US" sz="2400" i="1">
+              <a:rPr lang="en-US" sz="2400" i="1" dirty="0">
                 <a:sym typeface="Symbol" charset="2"/>
               </a:rPr>
               <a:t>integer</a:t>
             </a:r>
             <a:r>
-              <a:rPr lang="en-US" sz="2400">
+              <a:rPr lang="en-US" sz="2400" dirty="0">
                 <a:sym typeface="Symbol" charset="2"/>
               </a:rPr>
               <a:t>   &lt; </a:t>
             </a:r>
             <a:r>
-              <a:rPr lang="en-US" sz="2400"/>
+              <a:rPr lang="en-US" sz="2400" dirty="0"/>
               <a:t> </a:t>
             </a:r>
             <a:r>
-              <a:rPr lang="en-US" sz="2400">
+              <a:rPr lang="en-US" sz="2400" dirty="0">
                 <a:sym typeface="Symbol" charset="2"/>
               </a:rPr>
               <a:t></a:t>
             </a:r>
             <a:r>
-              <a:rPr lang="en-US" sz="2400"/>
+              <a:rPr lang="en-US" sz="2400" dirty="0"/>
               <a:t> </a:t>
             </a:r>
             <a:r>
-              <a:rPr lang="en-US" sz="2400">
+              <a:rPr lang="en-US" sz="2400" dirty="0">
                 <a:sym typeface="Symbol" charset="2"/>
               </a:rPr>
               <a:t></a:t>
@@ -9793,7 +9865,7 @@
               </a:lnSpc>
             </a:pPr>
             <a:r>
-              <a:rPr lang="en-US" sz="2800">
+              <a:rPr lang="en-US" sz="2800" dirty="0">
                 <a:sym typeface="Symbol" charset="2"/>
               </a:rPr>
               <a:t>In general, there are many possible substitutions</a:t>
@@ -9806,49 +9878,61 @@
               </a:lnSpc>
             </a:pPr>
             <a:r>
-              <a:rPr lang="en-US" sz="2800">
-                <a:sym typeface="Symbol" charset="2"/>
-              </a:rPr>
-              <a:t>Type exprs </a:t>
-            </a:r>
-            <a:r>
-              <a:rPr lang="en-US" sz="2800" i="1">
+              <a:rPr lang="en-US" sz="2800" dirty="0">
+                <a:sym typeface="Symbol" charset="2"/>
+              </a:rPr>
+              <a:t>Type </a:t>
+            </a:r>
+            <a:r>
+              <a:rPr lang="en-US" sz="2800" dirty="0" err="1">
+                <a:sym typeface="Symbol" charset="2"/>
+              </a:rPr>
+              <a:t>exprs</a:t>
+            </a:r>
+            <a:r>
+              <a:rPr lang="en-US" sz="2800" dirty="0">
+                <a:sym typeface="Symbol" charset="2"/>
+              </a:rPr>
+              <a:t> </a:t>
+            </a:r>
+            <a:r>
+              <a:rPr lang="en-US" sz="2800" i="1" dirty="0">
                 <a:sym typeface="Symbol" charset="2"/>
               </a:rPr>
               <a:t>s</a:t>
             </a:r>
             <a:r>
-              <a:rPr lang="en-US" sz="2800">
+              <a:rPr lang="en-US" sz="2800" dirty="0">
                 <a:sym typeface="Symbol" charset="2"/>
               </a:rPr>
               <a:t> and </a:t>
             </a:r>
             <a:r>
-              <a:rPr lang="en-US" sz="2800" i="1">
+              <a:rPr lang="en-US" sz="2800" i="1" dirty="0">
                 <a:sym typeface="Symbol" charset="2"/>
               </a:rPr>
               <a:t>t</a:t>
             </a:r>
             <a:r>
-              <a:rPr lang="en-US" sz="2800">
+              <a:rPr lang="en-US" sz="2800" dirty="0">
                 <a:sym typeface="Symbol" charset="2"/>
               </a:rPr>
               <a:t> unify if there is a substitution </a:t>
             </a:r>
             <a:r>
-              <a:rPr lang="en-US" sz="2800" i="1">
+              <a:rPr lang="en-US" sz="2800" i="1" dirty="0">
                 <a:sym typeface="Symbol" charset="2"/>
               </a:rPr>
               <a:t>S</a:t>
             </a:r>
             <a:r>
-              <a:rPr lang="en-US" sz="2800">
+              <a:rPr lang="en-US" sz="2800" dirty="0">
                 <a:sym typeface="Symbol" charset="2"/>
               </a:rPr>
               <a:t> that is most general such that </a:t>
             </a:r>
             <a:r>
-              <a:rPr lang="en-US" sz="2800" i="1">
+              <a:rPr lang="en-US" sz="2800" i="1" dirty="0">
                 <a:sym typeface="Symbol" charset="2"/>
               </a:rPr>
               <a:t>S(s) = S(t)</a:t>
@@ -9861,31 +9945,31 @@
               </a:lnSpc>
             </a:pPr>
             <a:r>
-              <a:rPr lang="en-US" sz="2800">
+              <a:rPr lang="en-US" sz="2800" dirty="0">
                 <a:sym typeface="Symbol" charset="2"/>
               </a:rPr>
               <a:t>Such a substitution </a:t>
             </a:r>
             <a:r>
-              <a:rPr lang="en-US" sz="2800" i="1">
+              <a:rPr lang="en-US" sz="2800" i="1" dirty="0">
                 <a:sym typeface="Symbol" charset="2"/>
               </a:rPr>
               <a:t>S</a:t>
             </a:r>
             <a:r>
-              <a:rPr lang="en-US" sz="2800">
+              <a:rPr lang="en-US" sz="2800" dirty="0">
                 <a:sym typeface="Symbol" charset="2"/>
               </a:rPr>
               <a:t> is the </a:t>
             </a:r>
             <a:r>
-              <a:rPr lang="en-US" sz="2800" i="1">
+              <a:rPr lang="en-US" sz="2800" i="1" dirty="0">
                 <a:sym typeface="Symbol" charset="2"/>
               </a:rPr>
               <a:t>most general unifier</a:t>
             </a:r>
             <a:r>
-              <a:rPr lang="en-US" sz="2800">
+              <a:rPr lang="en-US" sz="2800" dirty="0">
                 <a:sym typeface="Symbol" charset="2"/>
               </a:rPr>
               <a:t> which imposes the fewest constraints on variables</a:t>
@@ -10961,7 +11045,7 @@
               </a:lnSpc>
             </a:pPr>
             <a:r>
-              <a:rPr lang="en-US" sz="2800" i="1">
+              <a:rPr lang="en-US" sz="2800" i="1" dirty="0">
                 <a:sym typeface="Symbol" charset="2"/>
               </a:rPr>
               <a:t>0 : integer </a:t>
@@ -10974,43 +11058,49 @@
               </a:lnSpc>
             </a:pPr>
             <a:r>
-              <a:rPr lang="en-US" sz="2800" i="1">
-                <a:sym typeface="Symbol" charset="2"/>
-              </a:rPr>
-              <a:t>tl : list(</a:t>
-            </a:r>
-            <a:r>
-              <a:rPr lang="en-US" sz="2800" i="1" baseline="-25000">
+              <a:rPr lang="en-US" sz="2800" i="1" dirty="0" err="1">
+                <a:sym typeface="Symbol" charset="2"/>
+              </a:rPr>
+              <a:t>tl</a:t>
+            </a:r>
+            <a:r>
+              <a:rPr lang="en-US" sz="2800" i="1" dirty="0">
+                <a:sym typeface="Symbol" charset="2"/>
+              </a:rPr>
+              <a:t> : list(</a:t>
+            </a:r>
+            <a:r>
+              <a:rPr lang="en-US" sz="2800" i="1" baseline="-25000" dirty="0">
                 <a:sym typeface="Symbol" charset="2"/>
               </a:rPr>
               <a:t>3</a:t>
             </a:r>
             <a:r>
-              <a:rPr lang="en-US" sz="2800" i="1">
+              <a:rPr lang="en-US" sz="2800" i="1" dirty="0">
                 <a:sym typeface="Symbol" charset="2"/>
               </a:rPr>
               <a:t>) </a:t>
             </a:r>
             <a:r>
-              <a:rPr lang="en-US" sz="2800">
+              <a:rPr lang="en-US" sz="2800" dirty="0">
                 <a:sym typeface="Symbol" charset="2"/>
               </a:rPr>
               <a:t> </a:t>
             </a:r>
             <a:r>
-              <a:rPr lang="en-US" sz="2800" i="1">
+              <a:rPr lang="en-US" sz="2800" i="1" dirty="0">
                 <a:sym typeface="Symbol" charset="2"/>
               </a:rPr>
               <a:t>list(</a:t>
             </a:r>
             <a:r>
-              <a:rPr lang="en-US" sz="2800" i="1" baseline="-25000">
+              <a:rPr lang="en-US" sz="2800" i="1" baseline="-25000" dirty="0">
                 <a:sym typeface="Symbol" charset="2"/>
               </a:rPr>
               <a:t>3</a:t>
             </a:r>
             <a:r>
-              <a:rPr lang="en-US" sz="2800" i="1">
+              <a:rPr lang="en-US" sz="2800" i="1" dirty="0">
                 <a:sym typeface="Symbol" charset="2"/>
               </a:rPr>
               <a:t>)</a:t>
@@ -11023,19 +11113,37 @@
               </a:lnSpc>
             </a:pPr>
             <a:r>
-              <a:rPr lang="en-US" sz="2800" i="1">
-                <a:sym typeface="Symbol" charset="2"/>
-              </a:rPr>
-              <a:t>tl(alist) : list(</a:t>
-            </a:r>
-            <a:r>
-              <a:rPr lang="en-US" sz="2800" i="1" baseline="-25000">
+              <a:rPr lang="en-US" sz="2800" i="1" dirty="0" err="1">
+                <a:sym typeface="Symbol" charset="2"/>
+              </a:rPr>
+              <a:t>tl</a:t>
+            </a:r>
+            <a:r>
+              <a:rPr lang="en-US" sz="2800" i="1" dirty="0">
+                <a:sym typeface="Symbol" charset="2"/>
+              </a:rPr>
+              <a:t>(</a:t>
+            </a:r>
+            <a:r>
+              <a:rPr lang="en-US" sz="2800" i="1" dirty="0" err="1">
+                <a:sym typeface="Symbol" charset="2"/>
+              </a:rPr>
+              <a:t>alist</a:t>
+            </a:r>
+            <a:r>
+              <a:rPr lang="en-US" sz="2800" i="1" dirty="0">
+                <a:sym typeface="Symbol" charset="2"/>
+              </a:rPr>
+              <a:t>) : list(</a:t>
+            </a:r>
+            <a:r>
+              <a:rPr lang="en-US" sz="2800" i="1" baseline="-25000" dirty="0">
                 <a:sym typeface="Symbol" charset="2"/>
               </a:rPr>
               <a:t>2</a:t>
             </a:r>
             <a:r>
-              <a:rPr lang="en-US" sz="2800" i="1">
+              <a:rPr lang="en-US" sz="2800" i="1" dirty="0">
                 <a:sym typeface="Symbol" charset="2"/>
               </a:rPr>
               <a:t>)</a:t>
@@ -11048,37 +11156,37 @@
               </a:lnSpc>
             </a:pPr>
             <a:r>
-              <a:rPr lang="en-US" sz="2800" i="1">
+              <a:rPr lang="en-US" sz="2800" i="1" dirty="0">
                 <a:sym typeface="Symbol" charset="2"/>
               </a:rPr>
               <a:t>length : list(</a:t>
             </a:r>
             <a:r>
-              <a:rPr lang="en-US" sz="2800" i="1" baseline="-25000">
+              <a:rPr lang="en-US" sz="2800" i="1" baseline="-25000" dirty="0">
                 <a:sym typeface="Symbol" charset="2"/>
               </a:rPr>
               <a:t>2</a:t>
             </a:r>
             <a:r>
-              <a:rPr lang="en-US" sz="2800" i="1">
+              <a:rPr lang="en-US" sz="2800" i="1" dirty="0">
                 <a:sym typeface="Symbol" charset="2"/>
               </a:rPr>
               <a:t>) </a:t>
             </a:r>
             <a:r>
-              <a:rPr lang="en-US" sz="2800">
+              <a:rPr lang="en-US" sz="2800" dirty="0">
                 <a:sym typeface="Symbol" charset="2"/>
               </a:rPr>
               <a:t> </a:t>
             </a:r>
             <a:r>
-              <a:rPr lang="en-US" sz="2800" i="1">
+              <a:rPr lang="en-US" sz="2800" i="1" dirty="0">
                 <a:sym typeface="Symbol" charset="2"/>
               </a:rPr>
               <a:t></a:t>
             </a:r>
             <a:r>
-              <a:rPr lang="en-US" sz="2800" i="1" baseline="-25000">
+              <a:rPr lang="en-US" sz="2800" i="1" baseline="-25000" dirty="0">
                 <a:sym typeface="Symbol" charset="2"/>
               </a:rPr>
               <a:t>4</a:t>
@@ -11091,18 +11199,42 @@
               </a:lnSpc>
             </a:pPr>
             <a:r>
-              <a:rPr lang="en-US" sz="2800" i="1">
-                <a:sym typeface="Symbol" charset="2"/>
-              </a:rPr>
-              <a:t>length(tl(alist)) : </a:t>
-            </a:r>
-            <a:r>
-              <a:rPr lang="en-US" sz="2800" i="1" baseline="-25000">
+              <a:rPr lang="en-US" sz="2800" i="1" dirty="0">
+                <a:sym typeface="Symbol" charset="2"/>
+              </a:rPr>
+              <a:t>length(</a:t>
+            </a:r>
+            <a:r>
+              <a:rPr lang="en-US" sz="2800" i="1" dirty="0" err="1">
+                <a:sym typeface="Symbol" charset="2"/>
+              </a:rPr>
+              <a:t>tl</a:t>
+            </a:r>
+            <a:r>
+              <a:rPr lang="en-US" sz="2800" i="1" dirty="0">
+                <a:sym typeface="Symbol" charset="2"/>
+              </a:rPr>
+              <a:t>(</a:t>
+            </a:r>
+            <a:r>
+              <a:rPr lang="en-US" sz="2800" i="1" dirty="0" err="1">
+                <a:sym typeface="Symbol" charset="2"/>
+              </a:rPr>
+              <a:t>alist</a:t>
+            </a:r>
+            <a:r>
+              <a:rPr lang="en-US" sz="2800" i="1" dirty="0">
+                <a:sym typeface="Symbol" charset="2"/>
+              </a:rPr>
+              <a:t>)) : </a:t>
+            </a:r>
+            <a:r>
+              <a:rPr lang="en-US" sz="2800" i="1" baseline="-25000" dirty="0">
                 <a:sym typeface="Symbol" charset="2"/>
               </a:rPr>
               <a:t>4</a:t>
             </a:r>
-            <a:endParaRPr lang="en-US" sz="2800" i="1">
+            <a:endParaRPr lang="en-US" sz="2800" i="1" dirty="0">
               <a:sym typeface="Symbol" charset="2"/>
             </a:endParaRPr>
           </a:p>
@@ -11113,7 +11245,7 @@
               </a:lnSpc>
             </a:pPr>
             <a:r>
-              <a:rPr lang="en-US" sz="2800" i="1">
+              <a:rPr lang="en-US" sz="2800" i="1" dirty="0">
                 <a:sym typeface="Symbol" charset="2"/>
               </a:rPr>
               <a:t>1 : integer</a:t>
@@ -11126,19 +11258,19 @@
               </a:lnSpc>
             </a:pPr>
             <a:r>
-              <a:rPr lang="en-US" sz="2800" i="1">
+              <a:rPr lang="en-US" sz="2800" i="1" dirty="0">
                 <a:sym typeface="Symbol" charset="2"/>
               </a:rPr>
               <a:t>+ : integer  integer </a:t>
             </a:r>
             <a:r>
-              <a:rPr lang="en-US" sz="2800">
+              <a:rPr lang="en-US" sz="2800" dirty="0">
                 <a:sym typeface="Symbol" charset="2"/>
               </a:rPr>
               <a:t></a:t>
             </a:r>
             <a:r>
-              <a:rPr lang="en-US" sz="2800" i="1">
+              <a:rPr lang="en-US" sz="2800" i="1" dirty="0">
                 <a:sym typeface="Symbol" charset="2"/>
               </a:rPr>
               <a:t> integer</a:t>
@@ -11151,93 +11283,68 @@
               </a:lnSpc>
             </a:pPr>
             <a:r>
-              <a:rPr lang="en-US" sz="2800" i="1">
-                <a:sym typeface="Symbol" charset="2"/>
-              </a:rPr>
-              <a:t>if : boolean  </a:t>
-            </a:r>
-            <a:r>
-              <a:rPr lang="en-US" sz="2800" i="1" baseline="-25000">
+              <a:rPr lang="en-US" sz="2800" i="1" dirty="0">
+                <a:sym typeface="Symbol" charset="2"/>
+              </a:rPr>
+              <a:t>if : </a:t>
+            </a:r>
+            <a:r>
+              <a:rPr lang="en-US" sz="2800" i="1" dirty="0" err="1">
+                <a:sym typeface="Symbol" charset="2"/>
+              </a:rPr>
+              <a:t>boolean</a:t>
+            </a:r>
+            <a:r>
+              <a:rPr lang="en-US" sz="2800" i="1" dirty="0">
+                <a:sym typeface="Symbol" charset="2"/>
+              </a:rPr>
+              <a:t>  </a:t>
+            </a:r>
+            <a:r>
+              <a:rPr lang="en-US" sz="2800" i="1" baseline="-25000" dirty="0">
                 <a:sym typeface="Symbol" charset="2"/>
               </a:rPr>
               <a:t>5</a:t>
             </a:r>
             <a:r>
-              <a:rPr lang="en-US" sz="2800" i="1">
+              <a:rPr lang="en-US" sz="2800" i="1" dirty="0">
                 <a:sym typeface="Symbol" charset="2"/>
               </a:rPr>
               <a:t>  </a:t>
             </a:r>
             <a:r>
-              <a:rPr lang="en-US" sz="2800" i="1" baseline="-25000">
+              <a:rPr lang="en-US" sz="2800" i="1" baseline="-25000" dirty="0">
                 <a:sym typeface="Symbol" charset="2"/>
               </a:rPr>
               <a:t>5</a:t>
             </a:r>
             <a:r>
-              <a:rPr lang="en-US" sz="2800" i="1">
+              <a:rPr lang="en-US" sz="2800" i="1" dirty="0">
                 <a:sym typeface="Symbol" charset="2"/>
               </a:rPr>
               <a:t> </a:t>
             </a:r>
             <a:r>
-              <a:rPr lang="en-US" sz="2800">
+              <a:rPr lang="en-US" sz="2800" dirty="0">
                 <a:sym typeface="Symbol" charset="2"/>
               </a:rPr>
               <a:t></a:t>
             </a:r>
             <a:r>
-              <a:rPr lang="en-US" sz="2800" i="1">
+              <a:rPr lang="en-US" sz="2800" i="1" dirty="0">
                 <a:sym typeface="Symbol" charset="2"/>
               </a:rPr>
               <a:t> </a:t>
             </a:r>
             <a:r>
-              <a:rPr lang="en-US" sz="2800" i="1" baseline="-25000">
+              <a:rPr lang="en-US" sz="2800" i="1" baseline="-25000" dirty="0" smtClean="0">
                 <a:sym typeface="Symbol" charset="2"/>
               </a:rPr>
               <a:t>5</a:t>
             </a:r>
-            <a:endParaRPr lang="en-US" sz="2800" i="1">
+            <a:endParaRPr lang="en-US" sz="2800" i="1" dirty="0">
               <a:sym typeface="Symbol" charset="2"/>
             </a:endParaRPr>
-          </a:p>
-          <a:p>
-            <a:pPr>
-              <a:lnSpc>
-                <a:spcPct val="90000"/>
-              </a:lnSpc>
-            </a:pPr>
-            <a:r>
-              <a:rPr lang="en-US" sz="2800" i="1">
-                <a:sym typeface="Symbol" charset="2"/>
-              </a:rPr>
-              <a:t>length : list(</a:t>
-            </a:r>
-            <a:r>
-              <a:rPr lang="en-US" sz="2800" i="1" baseline="-25000">
-                <a:sym typeface="Symbol" charset="2"/>
-              </a:rPr>
-              <a:t>2</a:t>
-            </a:r>
-            <a:r>
-              <a:rPr lang="en-US" sz="2800" i="1">
-                <a:sym typeface="Symbol" charset="2"/>
-              </a:rPr>
-              <a:t>) </a:t>
-            </a:r>
-            <a:r>
-              <a:rPr lang="en-US" sz="2800">
-                <a:sym typeface="Symbol" charset="2"/>
-              </a:rPr>
-              <a:t> </a:t>
-            </a:r>
-            <a:r>
-              <a:rPr lang="en-US" sz="2800" i="1">
-                <a:sym typeface="Symbol" charset="2"/>
-              </a:rPr>
-              <a:t>integer</a:t>
-            </a:r>
           </a:p>
         </p:txBody>
       </p:sp>
@@ -11251,8 +11358,8 @@
         </p:nvSpPr>
         <p:spPr bwMode="auto">
           <a:xfrm>
-            <a:off x="5024552" y="3429000"/>
-            <a:ext cx="3235211" cy="584776"/>
+            <a:off x="6009028" y="3573016"/>
+            <a:ext cx="2794147" cy="523220"/>
           </a:xfrm>
           <a:prstGeom prst="rect">
             <a:avLst/>
@@ -11277,72 +11384,61 @@
           <a:p>
             <a:pPr algn="r"/>
             <a:r>
-              <a:rPr lang="en-US" sz="3200" i="1" dirty="0">
-                <a:latin typeface="Calibri"/>
-                <a:sym typeface="Symbol" charset="2"/>
-              </a:rPr>
-              <a:t>list(</a:t>
-            </a:r>
-            <a:r>
-              <a:rPr lang="en-US" sz="3200" i="1" baseline="-25000" dirty="0">
-                <a:latin typeface="Calibri"/>
-                <a:sym typeface="Symbol" charset="2"/>
-              </a:rPr>
-              <a:t>2</a:t>
-            </a:r>
-            <a:r>
-              <a:rPr lang="en-US" sz="3200" i="1" dirty="0">
-                <a:latin typeface="Calibri"/>
-                <a:sym typeface="Symbol" charset="2"/>
-              </a:rPr>
-              <a:t>) </a:t>
-            </a:r>
-            <a:r>
-              <a:rPr lang="en-US" sz="3200" dirty="0">
-                <a:latin typeface="Calibri"/>
-                <a:sym typeface="Symbol" charset="2"/>
-              </a:rPr>
-              <a:t> </a:t>
-            </a:r>
-            <a:r>
-              <a:rPr lang="en-US" sz="3200" i="1" dirty="0">
-                <a:latin typeface="Calibri"/>
-                <a:sym typeface="Symbol" charset="2"/>
-              </a:rPr>
-              <a:t></a:t>
-            </a:r>
-            <a:r>
-              <a:rPr lang="en-US" sz="3200" i="1" baseline="-25000" dirty="0">
-                <a:latin typeface="Calibri"/>
-                <a:sym typeface="Symbol" charset="2"/>
-              </a:rPr>
-              <a:t>4</a:t>
-            </a:r>
-            <a:r>
               <a:rPr lang="en-US" sz="2800" i="1" dirty="0">
                 <a:latin typeface="Calibri"/>
                 <a:sym typeface="Symbol" charset="2"/>
               </a:rPr>
-              <a:t> &lt; </a:t>
-            </a:r>
-            <a:r>
-              <a:rPr lang="en-US" sz="3200" i="1" dirty="0">
+              <a:t>list(</a:t>
+            </a:r>
+            <a:r>
+              <a:rPr lang="en-US" sz="2800" i="1" baseline="-25000" dirty="0">
                 <a:latin typeface="Calibri"/>
                 <a:sym typeface="Symbol" charset="2"/>
               </a:rPr>
+              <a:t>2</a:t>
+            </a:r>
+            <a:r>
+              <a:rPr lang="en-US" sz="2800" i="1" dirty="0">
+                <a:latin typeface="Calibri"/>
+                <a:sym typeface="Symbol" charset="2"/>
+              </a:rPr>
+              <a:t>) </a:t>
+            </a:r>
+            <a:r>
+              <a:rPr lang="en-US" sz="2800" dirty="0">
+                <a:latin typeface="Calibri"/>
+                <a:sym typeface="Symbol" charset="2"/>
+              </a:rPr>
+              <a:t> </a:t>
+            </a:r>
+            <a:r>
+              <a:rPr lang="en-US" sz="2800" i="1" dirty="0">
+                <a:latin typeface="Calibri"/>
+                <a:sym typeface="Symbol" charset="2"/>
+              </a:rPr>
               <a:t></a:t>
             </a:r>
             <a:r>
-              <a:rPr lang="en-US" sz="3200" i="1" baseline="-25000" dirty="0">
+              <a:rPr lang="en-US" sz="2800" i="1" baseline="-25000" dirty="0">
                 <a:latin typeface="Calibri"/>
                 <a:sym typeface="Symbol" charset="2"/>
               </a:rPr>
+              <a:t>4</a:t>
+            </a:r>
+            <a:r>
+              <a:rPr lang="en-US" sz="2800" i="1" dirty="0">
+                <a:latin typeface="Calibri"/>
+                <a:sym typeface="Symbol" charset="2"/>
+              </a:rPr>
+              <a:t> &lt; </a:t>
+            </a:r>
+            <a:r>
+              <a:rPr lang="en-US" sz="2800" i="1" baseline="-25000" dirty="0">
+                <a:latin typeface="Calibri"/>
+                <a:sym typeface="Symbol" charset="2"/>
+              </a:rPr>
               <a:t>1</a:t>
             </a:r>
-            <a:endParaRPr lang="en-US" sz="2800" i="1" baseline="-25000" dirty="0">
-              <a:latin typeface="Calibri"/>
-              <a:sym typeface="Symbol" charset="2"/>
-            </a:endParaRPr>
           </a:p>
         </p:txBody>
       </p:sp>
@@ -11356,8 +11452,8 @@
         </p:nvSpPr>
         <p:spPr bwMode="auto">
           <a:xfrm>
-            <a:off x="5981817" y="5715000"/>
-            <a:ext cx="2241433" cy="584776"/>
+            <a:off x="5835259" y="4653136"/>
+            <a:ext cx="2058294" cy="523220"/>
           </a:xfrm>
           <a:prstGeom prst="rect">
             <a:avLst/>
@@ -11382,23 +11478,26 @@
           <a:p>
             <a:pPr algn="r"/>
             <a:r>
-              <a:rPr lang="en-US" sz="3200" i="1" dirty="0">
+              <a:rPr lang="en-US" sz="2800" i="1" dirty="0" smtClean="0">
                 <a:latin typeface="Calibri"/>
                 <a:sym typeface="Symbol" charset="2"/>
               </a:rPr>
-              <a:t>integer &lt; </a:t>
-            </a:r>
-            <a:r>
-              <a:rPr lang="en-US" sz="3200" i="1" baseline="-25000" dirty="0">
+              <a:t> integer </a:t>
+            </a:r>
+            <a:r>
+              <a:rPr lang="en-US" sz="2800" i="1" dirty="0">
                 <a:latin typeface="Calibri"/>
                 <a:sym typeface="Symbol" charset="2"/>
               </a:rPr>
+              <a:t>&lt; </a:t>
+            </a:r>
+            <a:r>
+              <a:rPr lang="en-US" sz="2800" i="1" baseline="-25000" dirty="0">
+                <a:latin typeface="Calibri"/>
+                <a:sym typeface="Symbol" charset="2"/>
+              </a:rPr>
               <a:t>4</a:t>
             </a:r>
-            <a:endParaRPr lang="en-US" sz="2800" i="1" baseline="-25000" dirty="0">
-              <a:latin typeface="Calibri"/>
-              <a:sym typeface="Symbol" charset="2"/>
-            </a:endParaRPr>
           </a:p>
         </p:txBody>
       </p:sp>
@@ -11412,8 +11511,8 @@
         </p:nvSpPr>
         <p:spPr bwMode="auto">
           <a:xfrm>
-            <a:off x="5981817" y="4876800"/>
-            <a:ext cx="2241433" cy="584776"/>
+            <a:off x="5835259" y="4113076"/>
+            <a:ext cx="2058294" cy="523220"/>
           </a:xfrm>
           <a:prstGeom prst="rect">
             <a:avLst/>
@@ -11438,23 +11537,26 @@
           <a:p>
             <a:pPr algn="r"/>
             <a:r>
-              <a:rPr lang="en-US" sz="3200" i="1" dirty="0">
+              <a:rPr lang="en-US" sz="2800" i="1" dirty="0" smtClean="0">
                 <a:latin typeface="Calibri"/>
                 <a:sym typeface="Symbol" charset="2"/>
               </a:rPr>
-              <a:t>integer &lt; </a:t>
-            </a:r>
-            <a:r>
-              <a:rPr lang="en-US" sz="3200" i="1" baseline="-25000" dirty="0">
+              <a:t> integer </a:t>
+            </a:r>
+            <a:r>
+              <a:rPr lang="en-US" sz="2800" i="1" dirty="0">
                 <a:latin typeface="Calibri"/>
                 <a:sym typeface="Symbol" charset="2"/>
               </a:rPr>
+              <a:t>&lt; </a:t>
+            </a:r>
+            <a:r>
+              <a:rPr lang="en-US" sz="2800" i="1" baseline="-25000" dirty="0">
+                <a:latin typeface="Calibri"/>
+                <a:sym typeface="Symbol" charset="2"/>
+              </a:rPr>
               <a:t>5</a:t>
             </a:r>
-            <a:endParaRPr lang="en-US" sz="2800" i="1" baseline="-25000" dirty="0">
-              <a:latin typeface="Calibri"/>
-              <a:sym typeface="Symbol" charset="2"/>
-            </a:endParaRPr>
           </a:p>
         </p:txBody>
       </p:sp>
@@ -11614,6 +11716,81 @@
           <a:p>
             <a:endParaRPr lang="en-US" dirty="0">
               <a:latin typeface="Calibri"/>
+            </a:endParaRPr>
+          </a:p>
+        </p:txBody>
+      </p:sp>
+      <p:sp>
+        <p:nvSpPr>
+          <p:cNvPr id="10" name="Text Box 5"/>
+          <p:cNvSpPr txBox="1">
+            <a:spLocks noChangeArrowheads="1"/>
+          </p:cNvSpPr>
+          <p:nvPr/>
+        </p:nvSpPr>
+        <p:spPr bwMode="auto">
+          <a:xfrm>
+            <a:off x="2411760" y="5949280"/>
+            <a:ext cx="4622670" cy="543739"/>
+          </a:xfrm>
+          <a:prstGeom prst="rect">
+            <a:avLst/>
+          </a:prstGeom>
+          <a:noFill/>
+          <a:ln w="9525">
+            <a:noFill/>
+            <a:miter lim="800000"/>
+            <a:headEnd/>
+            <a:tailEnd/>
+          </a:ln>
+          <a:effectLst/>
+        </p:spPr>
+        <p:txBody>
+          <a:bodyPr wrap="none">
+            <a:prstTxWarp prst="textNoShape">
+              <a:avLst/>
+            </a:prstTxWarp>
+            <a:spAutoFit/>
+          </a:bodyPr>
+          <a:lstStyle/>
+          <a:p>
+            <a:pPr>
+              <a:lnSpc>
+                <a:spcPct val="90000"/>
+              </a:lnSpc>
+            </a:pPr>
+            <a:r>
+              <a:rPr lang="en-US" sz="3200" i="1" dirty="0">
+                <a:sym typeface="Symbol" charset="2"/>
+              </a:rPr>
+              <a:t>length : list(</a:t>
+            </a:r>
+            <a:r>
+              <a:rPr lang="en-US" sz="3200" i="1" baseline="-25000" dirty="0">
+                <a:sym typeface="Symbol" charset="2"/>
+              </a:rPr>
+              <a:t>2</a:t>
+            </a:r>
+            <a:r>
+              <a:rPr lang="en-US" sz="3200" i="1" dirty="0">
+                <a:sym typeface="Symbol" charset="2"/>
+              </a:rPr>
+              <a:t>) </a:t>
+            </a:r>
+            <a:r>
+              <a:rPr lang="en-US" sz="3200" dirty="0">
+                <a:sym typeface="Symbol" charset="2"/>
+              </a:rPr>
+              <a:t> </a:t>
+            </a:r>
+            <a:r>
+              <a:rPr lang="en-US" sz="3200" i="1" dirty="0">
+                <a:sym typeface="Symbol" charset="2"/>
+              </a:rPr>
+              <a:t>integer</a:t>
+            </a:r>
+            <a:endParaRPr lang="en-US" sz="3200" i="1" dirty="0">
+              <a:sym typeface="Symbol" charset="2"/>
             </a:endParaRPr>
           </a:p>
         </p:txBody>
@@ -12049,11 +12226,7 @@
                                           </p:stCondLst>
                                         </p:cTn>
                                         <p:tgtEl>
-                                          <p:spTgt spid="80899">
-                                            <p:txEl>
-                                              <p:pRg st="8" end="8"/>
-                                            </p:txEl>
-                                          </p:spTgt>
+                                          <p:spTgt spid="80900"/>
                                         </p:tgtEl>
                                         <p:attrNameLst>
                                           <p:attrName>style.visibility</p:attrName>
@@ -12098,7 +12271,7 @@
                                           </p:stCondLst>
                                         </p:cTn>
                                         <p:tgtEl>
-                                          <p:spTgt spid="80900"/>
+                                          <p:spTgt spid="80902"/>
                                         </p:tgtEl>
                                         <p:attrNameLst>
                                           <p:attrName>style.visibility</p:attrName>
@@ -12143,7 +12316,7 @@
                                           </p:stCondLst>
                                         </p:cTn>
                                         <p:tgtEl>
-                                          <p:spTgt spid="80902"/>
+                                          <p:spTgt spid="80901"/>
                                         </p:tgtEl>
                                         <p:attrNameLst>
                                           <p:attrName>style.visibility</p:attrName>
@@ -12188,7 +12361,52 @@
                                           </p:stCondLst>
                                         </p:cTn>
                                         <p:tgtEl>
-                                          <p:spTgt spid="80901"/>
+                                          <p:spTgt spid="10"/>
+                                        </p:tgtEl>
+                                        <p:attrNameLst>
+                                          <p:attrName>style.visibility</p:attrName>
+                                        </p:attrNameLst>
+                                      </p:cBhvr>
+                                      <p:to>
+                                        <p:strVal val="visible"/>
+                                      </p:to>
+                                    </p:set>
+                                  </p:childTnLst>
+                                </p:cTn>
+                              </p:par>
+                            </p:childTnLst>
+                          </p:cTn>
+                        </p:par>
+                      </p:childTnLst>
+                    </p:cTn>
+                  </p:par>
+                  <p:par>
+                    <p:cTn id="51" fill="hold">
+                      <p:stCondLst>
+                        <p:cond delay="indefinite"/>
+                      </p:stCondLst>
+                      <p:childTnLst>
+                        <p:par>
+                          <p:cTn id="52" fill="hold">
+                            <p:stCondLst>
+                              <p:cond delay="0"/>
+                            </p:stCondLst>
+                            <p:childTnLst>
+                              <p:par>
+                                <p:cTn id="53" presetID="1" presetClass="entr" presetSubtype="0" fill="hold" grpId="1" nodeType="clickEffect">
+                                  <p:stCondLst>
+                                    <p:cond delay="0"/>
+                                  </p:stCondLst>
+                                  <p:childTnLst>
+                                    <p:set>
+                                      <p:cBhvr>
+                                        <p:cTn id="54" dur="1" fill="hold">
+                                          <p:stCondLst>
+                                            <p:cond delay="0"/>
+                                          </p:stCondLst>
+                                        </p:cTn>
+                                        <p:tgtEl>
+                                          <p:spTgt spid="10"/>
                                         </p:tgtEl>
                                         <p:attrNameLst>
                                           <p:attrName>style.visibility</p:attrName>
@@ -12233,6 +12451,8 @@
       <p:bldP spid="80900" grpId="0" autoUpdateAnimBg="0"/>
       <p:bldP spid="80901" grpId="0" autoUpdateAnimBg="0"/>
       <p:bldP spid="80902" grpId="0" autoUpdateAnimBg="0"/>
+      <p:bldP spid="10" grpId="0" autoUpdateAnimBg="0"/>
+      <p:bldP spid="10" grpId="1"/>
     </p:bldLst>
   </p:timing>
 </p:sld>
@@ -25332,10 +25552,23 @@
             <a:pPr algn="l"/>
             <a:r>
               <a:rPr lang="en-US" sz="3200" i="1" dirty="0">
+                <a:solidFill>
+                  <a:schemeClr val="accent2">
+                    <a:lumMod val="60000"/>
+                    <a:lumOff val="40000"/>
+                  </a:schemeClr>
+                </a:solidFill>
                 <a:latin typeface="Calibri"/>
                 <a:sym typeface="Symbol" charset="2"/>
               </a:rPr>
-              <a:t>:1</a:t>
+              <a:t></a:t>
+            </a:r>
+            <a:r>
+              <a:rPr lang="en-US" sz="3200" i="1" dirty="0">
+                <a:latin typeface="Calibri"/>
+                <a:sym typeface="Symbol" charset="2"/>
+              </a:rPr>
+              <a:t>:1</a:t>
             </a:r>
           </a:p>
         </p:txBody>
@@ -25377,10 +25610,20 @@
             <a:pPr algn="l"/>
             <a:r>
               <a:rPr lang="en-US" sz="3200" i="1" dirty="0">
+                <a:solidFill>
+                  <a:srgbClr val="008000"/>
+                </a:solidFill>
                 <a:latin typeface="Calibri"/>
                 <a:sym typeface="Symbol" charset="2"/>
               </a:rPr>
-              <a:t>:2</a:t>
+              <a:t></a:t>
+            </a:r>
+            <a:r>
+              <a:rPr lang="en-US" sz="3200" i="1" dirty="0">
+                <a:latin typeface="Calibri"/>
+                <a:sym typeface="Symbol" charset="2"/>
+              </a:rPr>
+              <a:t>:2</a:t>
             </a:r>
           </a:p>
         </p:txBody>
@@ -25466,10 +25709,20 @@
             <a:pPr algn="l"/>
             <a:r>
               <a:rPr lang="en-US" sz="3200" i="1" dirty="0">
+                <a:solidFill>
+                  <a:srgbClr val="000090"/>
+                </a:solidFill>
                 <a:latin typeface="Calibri"/>
                 <a:sym typeface="Symbol" charset="2"/>
               </a:rPr>
-              <a:t>:3</a:t>
+              <a:t></a:t>
+            </a:r>
+            <a:r>
+              <a:rPr lang="en-US" sz="3200" i="1" dirty="0">
+                <a:latin typeface="Calibri"/>
+                <a:sym typeface="Symbol" charset="2"/>
+              </a:rPr>
+              <a:t>:3</a:t>
             </a:r>
           </a:p>
         </p:txBody>
@@ -25920,6 +26173,9 @@
             </a:r>
             <a:r>
               <a:rPr lang="en-US" sz="2800" i="1" dirty="0">
+                <a:solidFill>
+                  <a:srgbClr val="000090"/>
+                </a:solidFill>
                 <a:latin typeface="Calibri"/>
                 <a:sym typeface="Symbol" charset="2"/>
               </a:rPr>
@@ -25927,6 +26183,9 @@
             </a:r>
             <a:r>
               <a:rPr lang="en-US" sz="2800" i="1" dirty="0">
+                <a:solidFill>
+                  <a:srgbClr val="000090"/>
+                </a:solidFill>
                 <a:latin typeface="Calibri"/>
               </a:rPr>
               <a:t> </a:t>
@@ -25956,16 +26215,28 @@
             </a:r>
             <a:r>
               <a:rPr lang="en-US" sz="2800" i="1" dirty="0">
+                <a:solidFill>
+                  <a:srgbClr val="008000"/>
+                </a:solidFill>
                 <a:latin typeface="Calibri"/>
                 <a:sym typeface="Symbol" charset="2"/>
               </a:rPr>
               <a:t></a:t>
+            </a:r>
+            <a:r>
+              <a:rPr lang="en-US" sz="2800" i="1" dirty="0">
+                <a:solidFill>
+                  <a:srgbClr val="008000"/>
+                </a:solidFill>
+                <a:latin typeface="Calibri"/>
+              </a:rPr>
+              <a:t> </a:t>
             </a:r>
             <a:r>
               <a:rPr lang="en-US" sz="2800" i="1" dirty="0">
                 <a:latin typeface="Calibri"/>
               </a:rPr>
-              <a:t> list(</a:t>
+              <a:t>list(</a:t>
             </a:r>
             <a:r>
               <a:rPr lang="en-US" sz="2800" i="1" dirty="0">
@@ -25982,7 +26253,17 @@
                 <a:latin typeface="Calibri"/>
                 <a:sym typeface="Symbol" charset="2"/>
               </a:rPr>
-              <a:t>)) </a:t>
+              <a:t>)) </a:t>
+            </a:r>
+            <a:r>
+              <a:rPr lang="en-US" sz="2800" i="1" dirty="0">
+                <a:solidFill>
+                  <a:srgbClr val="7575D1"/>
+                </a:solidFill>
+                <a:latin typeface="Calibri"/>
+                <a:sym typeface="Symbol" charset="2"/>
+              </a:rPr>
+              <a:t></a:t>
             </a:r>
             <a:r>
               <a:rPr lang="en-US" sz="2800" i="1" dirty="0">
@@ -36858,6 +37139,55 @@
           <a:effectLst/>
         </p:spPr>
       </p:cxnSp>
+      <p:sp>
+        <p:nvSpPr>
+          <p:cNvPr id="2" name="TextBox 1"/>
+          <p:cNvSpPr txBox="1"/>
+          <p:nvPr/>
+        </p:nvSpPr>
+        <p:spPr>
+          <a:xfrm>
+            <a:off x="2339752" y="5301208"/>
+            <a:ext cx="4262906" cy="584776"/>
+          </a:xfrm>
+          <a:prstGeom prst="rect">
+            <a:avLst/>
+          </a:prstGeom>
+          <a:solidFill>
+            <a:schemeClr val="accent1"/>
+          </a:solidFill>
+          <a:ln>
+            <a:solidFill>
+              <a:schemeClr val="tx2"/>
+            </a:solidFill>
+          </a:ln>
+        </p:spPr>
+        <p:txBody>
+          <a:bodyPr wrap="none" rtlCol="0">
+            <a:spAutoFit/>
+          </a:bodyPr>
+          <a:lstStyle/>
+          <a:p>
+            <a:r>
+              <a:rPr lang="en-US" sz="3200" dirty="0" smtClean="0">
+                <a:solidFill>
+                  <a:srgbClr val="000090"/>
+                </a:solidFill>
+                <a:latin typeface="Calibri"/>
+                <a:cs typeface="Calibri"/>
+              </a:rPr>
+              <a:t>Unification is successful!</a:t>
+            </a:r>
+            <a:endParaRPr lang="en-US" sz="3200" dirty="0">
+              <a:solidFill>
+                <a:srgbClr val="000090"/>
+              </a:solidFill>
+              <a:latin typeface="Calibri"/>
+              <a:cs typeface="Calibri"/>
+            </a:endParaRPr>
+          </a:p>
+        </p:txBody>
+      </p:sp>
     </p:spTree>
   </p:cSld>
   <p:clrMapOvr>
@@ -36866,9 +37196,80 @@
   <p:timing>
     <p:tnLst>
       <p:par>
-        <p:cTn xmlns:p14="http://schemas.microsoft.com/office/powerpoint/2010/main" id="1" dur="indefinite" restart="never" nodeType="tmRoot"/>
+        <p:cTn xmlns:p14="http://schemas.microsoft.com/office/powerpoint/2010/main" id="1" dur="indefinite" restart="never" nodeType="tmRoot">
+          <p:childTnLst>
+            <p:seq concurrent="1" nextAc="seek">
+              <p:cTn id="2" dur="indefinite" nodeType="mainSeq">
+                <p:childTnLst>
+                  <p:par>
+                    <p:cTn id="3" fill="hold">
+                      <p:stCondLst>
+                        <p:cond delay="indefinite"/>
+                      </p:stCondLst>
+                      <p:childTnLst>
+                        <p:par>
+                          <p:cTn id="4" fill="hold">
+                            <p:stCondLst>
+                              <p:cond delay="0"/>
+                            </p:stCondLst>
+                            <p:childTnLst>
+                              <p:par>
+                                <p:cTn id="5" presetID="1" presetClass="entr" presetSubtype="0" fill="hold" grpId="0" nodeType="clickEffect">
+                                  <p:stCondLst>
+                                    <p:cond delay="0"/>
+                                  </p:stCondLst>
+                                  <p:childTnLst>
+                                    <p:set>
+                                      <p:cBhvr>
+                                        <p:cTn id="6" dur="1" fill="hold">
+                                          <p:stCondLst>
+                                            <p:cond delay="0"/>
+                                          </p:stCondLst>
+                                        </p:cTn>
+                                        <p:tgtEl>
+                                          <p:spTgt spid="2"/>
+                                        </p:tgtEl>
+                                        <p:attrNameLst>
+                                          <p:attrName>style.visibility</p:attrName>
+                                        </p:attrNameLst>
+                                      </p:cBhvr>
+                                      <p:to>
+                                        <p:strVal val="visible"/>
+                                      </p:to>
+                                    </p:set>
+                                  </p:childTnLst>
+                                </p:cTn>
+                              </p:par>
+                            </p:childTnLst>
+                          </p:cTn>
+                        </p:par>
+                      </p:childTnLst>
+                    </p:cTn>
+                  </p:par>
+                </p:childTnLst>
+              </p:cTn>
+              <p:prevCondLst>
+                <p:cond evt="onPrev" delay="0">
+                  <p:tgtEl>
+                    <p:sldTgt/>
+                  </p:tgtEl>
+                </p:cond>
+              </p:prevCondLst>
+              <p:nextCondLst>
+                <p:cond evt="onNext" delay="0">
+                  <p:tgtEl>
+                    <p:sldTgt/>
+                  </p:tgtEl>
+                </p:cond>
+              </p:nextCondLst>
+            </p:seq>
+          </p:childTnLst>
+        </p:cTn>
       </p:par>
     </p:tnLst>
+    <p:bldLst>
+      <p:bldP spid="2" grpId="0" animBg="1"/>
+    </p:bldLst>
   </p:timing>
 </p:sld>
 </file>
@@ -37666,31 +38067,47 @@
             </a:r>
             <a:r>
               <a:rPr lang="en-US" i="1" dirty="0"/>
-              <a:t>, s</a:t>
-            </a:r>
-            <a:r>
-              <a:rPr lang="en-US" i="1" baseline="-25000" dirty="0"/>
+              <a:t>, </a:t>
+            </a:r>
+            <a:r>
+              <a:rPr lang="en-US" i="1" dirty="0" smtClean="0"/>
+              <a:t>t</a:t>
+            </a:r>
+            <a:r>
+              <a:rPr lang="en-US" i="1" baseline="-25000" dirty="0" smtClean="0"/>
+              <a:t>1</a:t>
+            </a:r>
+            <a:r>
+              <a:rPr lang="en-US" i="1" dirty="0" smtClean="0"/>
+              <a:t>)</a:t>
+            </a:r>
+            <a:r>
+              <a:rPr lang="en-US" dirty="0" smtClean="0"/>
+              <a:t> </a:t>
+            </a:r>
+            <a:r>
+              <a:rPr lang="en-US" dirty="0"/>
+              <a:t>and </a:t>
+            </a:r>
+            <a:r>
+              <a:rPr lang="en-US" i="1" dirty="0"/>
+              <a:t>t = array</a:t>
+            </a:r>
+            <a:r>
+              <a:rPr lang="en-US" i="1" dirty="0" smtClean="0"/>
+              <a:t>(s</a:t>
+            </a:r>
+            <a:r>
+              <a:rPr lang="en-US" i="1" baseline="-25000" dirty="0" smtClean="0"/>
               <a:t>2</a:t>
             </a:r>
             <a:r>
+              <a:rPr lang="en-US" i="1" dirty="0" smtClean="0"/>
+              <a:t>, </a:t>
+            </a:r>
+            <a:r>
               <a:rPr lang="en-US" i="1" dirty="0"/>
-              <a:t>)</a:t>
-            </a:r>
-            <a:r>
-              <a:rPr lang="en-US" dirty="0"/>
-              <a:t> and </a:t>
-            </a:r>
-            <a:r>
-              <a:rPr lang="en-US" i="1" dirty="0"/>
-              <a:t>t = array(t</a:t>
-            </a:r>
-            <a:r>
-              <a:rPr lang="en-US" i="1" baseline="-25000" dirty="0"/>
-              <a:t>1</a:t>
-            </a:r>
-            <a:r>
-              <a:rPr lang="en-US" i="1" dirty="0"/>
-              <a:t>, t</a:t>
+              <a:t>t</a:t>
             </a:r>
             <a:r>
               <a:rPr lang="en-US" i="1" baseline="-25000" dirty="0"/>
@@ -37784,34 +38201,52 @@
               <a:t> </a:t>
             </a:r>
             <a:r>
+              <a:rPr lang="en-US" i="1">
+                <a:sym typeface="Symbol" charset="2"/>
+              </a:rPr>
+              <a:t> </a:t>
+            </a:r>
+            <a:r>
+              <a:rPr lang="en-US" i="1" smtClean="0">
+                <a:sym typeface="Symbol" charset="2"/>
+              </a:rPr>
+              <a:t>t</a:t>
+            </a:r>
+            <a:r>
+              <a:rPr lang="en-US" i="1" baseline="-25000" smtClean="0">
+                <a:sym typeface="Symbol" charset="2"/>
+              </a:rPr>
+              <a:t>1</a:t>
+            </a:r>
+            <a:r>
+              <a:rPr lang="en-US" smtClean="0">
+                <a:sym typeface="Symbol" charset="2"/>
+              </a:rPr>
+              <a:t> </a:t>
+            </a:r>
+            <a:r>
+              <a:rPr lang="en-US" dirty="0">
+                <a:sym typeface="Symbol" charset="2"/>
+              </a:rPr>
+              <a:t>and </a:t>
+            </a:r>
+            <a:r>
               <a:rPr lang="en-US" i="1" dirty="0">
                 <a:sym typeface="Symbol" charset="2"/>
               </a:rPr>
-              <a:t> s</a:t>
-            </a:r>
-            <a:r>
-              <a:rPr lang="en-US" i="1" baseline="-25000" dirty="0">
-                <a:sym typeface="Symbol" charset="2"/>
-              </a:rPr>
-              <a:t>2</a:t>
-            </a:r>
-            <a:r>
-              <a:rPr lang="en-US" dirty="0">
-                <a:sym typeface="Symbol" charset="2"/>
-              </a:rPr>
-              <a:t> and </a:t>
-            </a:r>
-            <a:r>
-              <a:rPr lang="en-US" i="1" dirty="0">
-                <a:sym typeface="Symbol" charset="2"/>
-              </a:rPr>
-              <a:t>t = t</a:t>
-            </a:r>
-            <a:r>
-              <a:rPr lang="en-US" i="1" baseline="-25000" dirty="0">
-                <a:sym typeface="Symbol" charset="2"/>
-              </a:rPr>
-              <a:t>1 </a:t>
+              <a:t>t = </a:t>
+            </a:r>
+            <a:r>
+              <a:rPr lang="en-US" i="1" dirty="0" smtClean="0">
+                <a:sym typeface="Symbol" charset="2"/>
+              </a:rPr>
+              <a:t>s</a:t>
+            </a:r>
+            <a:r>
+              <a:rPr lang="en-US" i="1" baseline="-25000" dirty="0" smtClean="0">
+                <a:sym typeface="Symbol" charset="2"/>
+              </a:rPr>
+              <a:t>2 </a:t>
             </a:r>
             <a:r>
               <a:rPr lang="en-US" i="1" dirty="0">
@@ -37864,19 +38299,19 @@
               <a:t>and equal</a:t>
             </a:r>
             <a:r>
-              <a:rPr lang="en-US" smtClean="0"/>
+              <a:rPr lang="en-US" dirty="0" smtClean="0"/>
               <a:t>(</a:t>
             </a:r>
             <a:r>
-              <a:rPr lang="en-US" i="1" smtClean="0"/>
+              <a:rPr lang="en-US" i="1" dirty="0" smtClean="0"/>
               <a:t>t</a:t>
             </a:r>
             <a:r>
-              <a:rPr lang="en-US" i="1" baseline="-25000" smtClean="0"/>
+              <a:rPr lang="en-US" i="1" baseline="-25000" dirty="0" smtClean="0"/>
               <a:t>1</a:t>
             </a:r>
             <a:r>
-              <a:rPr lang="en-US" i="1" smtClean="0"/>
+              <a:rPr lang="en-US" i="1" dirty="0" smtClean="0"/>
               <a:t>, </a:t>
             </a:r>
             <a:r>
